--- a/14_useState.pptx
+++ b/14_useState.pptx
@@ -293,7 +293,7 @@
           <a:p>
             <a:fld id="{1160EA64-D806-43AC-9DF2-F8C432F32B4C}" type="datetimeFigureOut">
               <a:rPr lang="en-US" dirty="0"/>
-              <a:t>4/1/2024</a:t>
+              <a:t>4/2/2024</a:t>
             </a:fld>
             <a:endParaRPr lang="en-US" dirty="0"/>
           </a:p>
@@ -459,7 +459,7 @@
           <a:p>
             <a:fld id="{E9F9C37B-1D36-470B-8223-D6C91242EC14}" type="datetimeFigureOut">
               <a:rPr lang="en-US" dirty="0"/>
-              <a:t>4/1/2024</a:t>
+              <a:t>4/2/2024</a:t>
             </a:fld>
             <a:endParaRPr lang="en-US" dirty="0"/>
           </a:p>
@@ -634,7 +634,7 @@
           <a:p>
             <a:fld id="{67C6F52A-A82B-47A2-A83A-8C4C91F2D59F}" type="datetimeFigureOut">
               <a:rPr lang="en-US" dirty="0"/>
-              <a:t>4/1/2024</a:t>
+              <a:t>4/2/2024</a:t>
             </a:fld>
             <a:endParaRPr lang="en-US" dirty="0"/>
           </a:p>
@@ -799,7 +799,7 @@
           <a:p>
             <a:fld id="{F070A7B3-6521-4DCA-87E5-044747A908C1}" type="datetimeFigureOut">
               <a:rPr lang="en-US" dirty="0"/>
-              <a:t>4/1/2024</a:t>
+              <a:t>4/2/2024</a:t>
             </a:fld>
             <a:endParaRPr lang="en-US" dirty="0"/>
           </a:p>
@@ -1063,7 +1063,7 @@
           <a:p>
             <a:fld id="{1160EA64-D806-43AC-9DF2-F8C432F32B4C}" type="datetimeFigureOut">
               <a:rPr lang="en-US" dirty="0"/>
-              <a:t>4/1/2024</a:t>
+              <a:t>4/2/2024</a:t>
             </a:fld>
             <a:endParaRPr lang="en-US" dirty="0"/>
           </a:p>
@@ -1291,7 +1291,7 @@
           <a:p>
             <a:fld id="{AB134690-1557-4C89-A502-4959FE7FAD70}" type="datetimeFigureOut">
               <a:rPr lang="en-US" dirty="0"/>
-              <a:t>4/1/2024</a:t>
+              <a:t>4/2/2024</a:t>
             </a:fld>
             <a:endParaRPr lang="en-US" dirty="0"/>
           </a:p>
@@ -1645,7 +1645,7 @@
           <a:p>
             <a:fld id="{4F7D4976-E339-4826-83B7-FBD03F55ECF8}" type="datetimeFigureOut">
               <a:rPr lang="en-US" dirty="0"/>
-              <a:t>4/1/2024</a:t>
+              <a:t>4/2/2024</a:t>
             </a:fld>
             <a:endParaRPr lang="en-US" dirty="0"/>
           </a:p>
@@ -1781,7 +1781,7 @@
           <a:p>
             <a:fld id="{E1037C31-9E7A-4F99-8774-A0E530DE1A42}" type="datetimeFigureOut">
               <a:rPr lang="en-US" dirty="0"/>
-              <a:t>4/1/2024</a:t>
+              <a:t>4/2/2024</a:t>
             </a:fld>
             <a:endParaRPr lang="en-US" dirty="0"/>
           </a:p>
@@ -1871,7 +1871,7 @@
           <a:p>
             <a:fld id="{C278504F-A551-4DE0-9316-4DCD1D8CC752}" type="datetimeFigureOut">
               <a:rPr lang="en-US" dirty="0"/>
-              <a:t>4/1/2024</a:t>
+              <a:t>4/2/2024</a:t>
             </a:fld>
             <a:endParaRPr lang="en-US" dirty="0"/>
           </a:p>
@@ -2223,7 +2223,7 @@
           <a:p>
             <a:fld id="{D1BE4249-C0D0-4B06-8692-E8BB871AF643}" type="datetimeFigureOut">
               <a:rPr lang="en-US" dirty="0"/>
-              <a:t>4/1/2024</a:t>
+              <a:t>4/2/2024</a:t>
             </a:fld>
             <a:endParaRPr lang="en-US" dirty="0"/>
           </a:p>
@@ -2575,7 +2575,7 @@
           <a:p>
             <a:fld id="{042B0DB6-F5C7-45FB-8CF3-31B45F9C2DAC}" type="datetimeFigureOut">
               <a:rPr lang="en-US" dirty="0"/>
-              <a:t>4/1/2024</a:t>
+              <a:t>4/2/2024</a:t>
             </a:fld>
             <a:endParaRPr lang="en-US" dirty="0"/>
           </a:p>
@@ -2811,7 +2811,7 @@
           <a:p>
             <a:fld id="{1160EA64-D806-43AC-9DF2-F8C432F32B4C}" type="datetimeFigureOut">
               <a:rPr lang="en-US" dirty="0"/>
-              <a:t>4/1/2024</a:t>
+              <a:t>4/2/2024</a:t>
             </a:fld>
             <a:endParaRPr lang="en-US" dirty="0"/>
           </a:p>
@@ -3346,11 +3346,6 @@
               </a:rPr>
               <a:t>Ví dụ</a:t>
             </a:r>
-            <a:endParaRPr lang="en-US" dirty="0">
-              <a:latin typeface="Tahoma" panose="020B0604030504040204" pitchFamily="34" charset="0"/>
-              <a:ea typeface="Tahoma" panose="020B0604030504040204" pitchFamily="34" charset="0"/>
-              <a:cs typeface="Tahoma" panose="020B0604030504040204" pitchFamily="34" charset="0"/>
-            </a:endParaRPr>
           </a:p>
         </p:txBody>
       </p:sp>
@@ -4504,11 +4499,6 @@
               </a:rPr>
               <a:t>Ví dụ</a:t>
             </a:r>
-            <a:endParaRPr lang="en-US" dirty="0">
-              <a:latin typeface="Tahoma" panose="020B0604030504040204" pitchFamily="34" charset="0"/>
-              <a:ea typeface="Tahoma" panose="020B0604030504040204" pitchFamily="34" charset="0"/>
-              <a:cs typeface="Tahoma" panose="020B0604030504040204" pitchFamily="34" charset="0"/>
-            </a:endParaRPr>
           </a:p>
         </p:txBody>
       </p:sp>
@@ -5637,11 +5627,6 @@
               </a:rPr>
               <a:t>Ví dụ</a:t>
             </a:r>
-            <a:endParaRPr lang="en-US" dirty="0">
-              <a:latin typeface="Tahoma" panose="020B0604030504040204" pitchFamily="34" charset="0"/>
-              <a:ea typeface="Tahoma" panose="020B0604030504040204" pitchFamily="34" charset="0"/>
-              <a:cs typeface="Tahoma" panose="020B0604030504040204" pitchFamily="34" charset="0"/>
-            </a:endParaRPr>
           </a:p>
         </p:txBody>
       </p:sp>
@@ -6500,11 +6485,6 @@
               </a:rPr>
               <a:t>Ví dụ</a:t>
             </a:r>
-            <a:endParaRPr lang="en-US" dirty="0">
-              <a:latin typeface="Tahoma" panose="020B0604030504040204" pitchFamily="34" charset="0"/>
-              <a:ea typeface="Tahoma" panose="020B0604030504040204" pitchFamily="34" charset="0"/>
-              <a:cs typeface="Tahoma" panose="020B0604030504040204" pitchFamily="34" charset="0"/>
-            </a:endParaRPr>
           </a:p>
         </p:txBody>
       </p:sp>
@@ -6636,11 +6616,6 @@
               </a:rPr>
               <a:t>Ví dụ</a:t>
             </a:r>
-            <a:endParaRPr lang="en-US" dirty="0">
-              <a:latin typeface="Tahoma" panose="020B0604030504040204" pitchFamily="34" charset="0"/>
-              <a:ea typeface="Tahoma" panose="020B0604030504040204" pitchFamily="34" charset="0"/>
-              <a:cs typeface="Tahoma" panose="020B0604030504040204" pitchFamily="34" charset="0"/>
-            </a:endParaRPr>
           </a:p>
         </p:txBody>
       </p:sp>
@@ -7571,11 +7546,6 @@
               </a:rPr>
               <a:t>Ví dụ</a:t>
             </a:r>
-            <a:endParaRPr lang="en-US" dirty="0">
-              <a:latin typeface="Tahoma" panose="020B0604030504040204" pitchFamily="34" charset="0"/>
-              <a:ea typeface="Tahoma" panose="020B0604030504040204" pitchFamily="34" charset="0"/>
-              <a:cs typeface="Tahoma" panose="020B0604030504040204" pitchFamily="34" charset="0"/>
-            </a:endParaRPr>
           </a:p>
         </p:txBody>
       </p:sp>
@@ -7787,11 +7757,6 @@
               </a:rPr>
               <a:t>Ví dụ</a:t>
             </a:r>
-            <a:endParaRPr lang="en-US" dirty="0">
-              <a:latin typeface="Tahoma" panose="020B0604030504040204" pitchFamily="34" charset="0"/>
-              <a:ea typeface="Tahoma" panose="020B0604030504040204" pitchFamily="34" charset="0"/>
-              <a:cs typeface="Tahoma" panose="020B0604030504040204" pitchFamily="34" charset="0"/>
-            </a:endParaRPr>
           </a:p>
         </p:txBody>
       </p:sp>
@@ -8740,11 +8705,6 @@
               </a:rPr>
               <a:t>Ví dụ</a:t>
             </a:r>
-            <a:endParaRPr lang="en-US" dirty="0">
-              <a:latin typeface="Tahoma" panose="020B0604030504040204" pitchFamily="34" charset="0"/>
-              <a:ea typeface="Tahoma" panose="020B0604030504040204" pitchFamily="34" charset="0"/>
-              <a:cs typeface="Tahoma" panose="020B0604030504040204" pitchFamily="34" charset="0"/>
-            </a:endParaRPr>
           </a:p>
         </p:txBody>
       </p:sp>
@@ -9039,11 +8999,6 @@
               </a:rPr>
               <a:t>Ví dụ</a:t>
             </a:r>
-            <a:endParaRPr lang="en-US" dirty="0">
-              <a:latin typeface="Tahoma" panose="020B0604030504040204" pitchFamily="34" charset="0"/>
-              <a:ea typeface="Tahoma" panose="020B0604030504040204" pitchFamily="34" charset="0"/>
-              <a:cs typeface="Tahoma" panose="020B0604030504040204" pitchFamily="34" charset="0"/>
-            </a:endParaRPr>
           </a:p>
         </p:txBody>
       </p:sp>
@@ -10227,11 +10182,6 @@
               </a:rPr>
               <a:t>Ví dụ</a:t>
             </a:r>
-            <a:endParaRPr lang="en-US" dirty="0">
-              <a:latin typeface="Tahoma" panose="020B0604030504040204" pitchFamily="34" charset="0"/>
-              <a:ea typeface="Tahoma" panose="020B0604030504040204" pitchFamily="34" charset="0"/>
-              <a:cs typeface="Tahoma" panose="020B0604030504040204" pitchFamily="34" charset="0"/>
-            </a:endParaRPr>
           </a:p>
         </p:txBody>
       </p:sp>
@@ -10341,15 +10291,7 @@
                 <a:ea typeface="Tahoma" panose="020B0604030504040204" pitchFamily="34" charset="0"/>
                 <a:cs typeface="Tahoma" panose="020B0604030504040204" pitchFamily="34" charset="0"/>
               </a:rPr>
-              <a:t>usestate </a:t>
-            </a:r>
-            <a:r>
-              <a:rPr lang="en-US" dirty="0" smtClean="0">
-                <a:latin typeface="Tahoma" panose="020B0604030504040204" pitchFamily="34" charset="0"/>
-                <a:ea typeface="Tahoma" panose="020B0604030504040204" pitchFamily="34" charset="0"/>
-                <a:cs typeface="Tahoma" panose="020B0604030504040204" pitchFamily="34" charset="0"/>
-              </a:rPr>
-              <a:t>là gì?</a:t>
+              <a:t>usestate là gì?</a:t>
             </a:r>
             <a:endParaRPr lang="en-US" dirty="0">
               <a:latin typeface="Tahoma" panose="020B0604030504040204" pitchFamily="34" charset="0"/>
@@ -10452,51 +10394,109 @@
                 <a:ea typeface="Tahoma" panose="020B0604030504040204" pitchFamily="34" charset="0"/>
                 <a:cs typeface="Tahoma" panose="020B0604030504040204" pitchFamily="34" charset="0"/>
               </a:rPr>
-              <a:t>Với useState nó giúp chúng ta theo dõi trạng thái của data nếu nó thay đổi thì update lại giao diện.</a:t>
-            </a:r>
-          </a:p>
-          <a:p>
+              <a:t>Với useState nó giúp chúng ta </a:t>
+            </a:r>
             <a:r>
               <a:rPr lang="en-US" dirty="0" smtClean="0">
                 <a:latin typeface="Tahoma" panose="020B0604030504040204" pitchFamily="34" charset="0"/>
                 <a:ea typeface="Tahoma" panose="020B0604030504040204" pitchFamily="34" charset="0"/>
                 <a:cs typeface="Tahoma" panose="020B0604030504040204" pitchFamily="34" charset="0"/>
               </a:rPr>
-              <a:t>VD:</a:t>
-            </a:r>
-          </a:p>
-          <a:p>
-            <a:pPr lvl="1"/>
+              <a:t>update </a:t>
+            </a:r>
             <a:r>
               <a:rPr lang="en-US" dirty="0" smtClean="0">
                 <a:latin typeface="Tahoma" panose="020B0604030504040204" pitchFamily="34" charset="0"/>
                 <a:ea typeface="Tahoma" panose="020B0604030504040204" pitchFamily="34" charset="0"/>
                 <a:cs typeface="Tahoma" panose="020B0604030504040204" pitchFamily="34" charset="0"/>
               </a:rPr>
-              <a:t>Ta có 1 biến là sum lưu kết quả của phép tính tổng</a:t>
-            </a:r>
-          </a:p>
-          <a:p>
-            <a:pPr lvl="1"/>
+              <a:t>lại giao </a:t>
+            </a:r>
             <a:r>
               <a:rPr lang="en-US" dirty="0" smtClean="0">
                 <a:latin typeface="Tahoma" panose="020B0604030504040204" pitchFamily="34" charset="0"/>
                 <a:ea typeface="Tahoma" panose="020B0604030504040204" pitchFamily="34" charset="0"/>
                 <a:cs typeface="Tahoma" panose="020B0604030504040204" pitchFamily="34" charset="0"/>
               </a:rPr>
-              <a:t>Khi thực hiện tính thì biến sum sẽ thay đổi</a:t>
-            </a:r>
-          </a:p>
-          <a:p>
-            <a:pPr lvl="1"/>
+              <a:t>diện khi state thay đổi.</a:t>
+            </a:r>
+            <a:endParaRPr lang="en-US" dirty="0" smtClean="0">
+              <a:latin typeface="Tahoma" panose="020B0604030504040204" pitchFamily="34" charset="0"/>
+              <a:ea typeface="Tahoma" panose="020B0604030504040204" pitchFamily="34" charset="0"/>
+              <a:cs typeface="Tahoma" panose="020B0604030504040204" pitchFamily="34" charset="0"/>
+            </a:endParaRPr>
+          </a:p>
+          <a:p>
             <a:r>
               <a:rPr lang="en-US" dirty="0" smtClean="0">
                 <a:latin typeface="Tahoma" panose="020B0604030504040204" pitchFamily="34" charset="0"/>
                 <a:ea typeface="Tahoma" panose="020B0604030504040204" pitchFamily="34" charset="0"/>
                 <a:cs typeface="Tahoma" panose="020B0604030504040204" pitchFamily="34" charset="0"/>
               </a:rPr>
-              <a:t>useState sẽ theo dõi biến sum khi thay đổi sẽ update lại giá trị tổng ở giao diện</a:t>
-            </a:r>
+              <a:t>VD:</a:t>
+            </a:r>
+          </a:p>
+          <a:p>
+            <a:pPr lvl="1"/>
+            <a:r>
+              <a:rPr lang="en-US" dirty="0" smtClean="0">
+                <a:latin typeface="Tahoma" panose="020B0604030504040204" pitchFamily="34" charset="0"/>
+                <a:ea typeface="Tahoma" panose="020B0604030504040204" pitchFamily="34" charset="0"/>
+                <a:cs typeface="Tahoma" panose="020B0604030504040204" pitchFamily="34" charset="0"/>
+              </a:rPr>
+              <a:t>Ta có 1 biến là sum lưu kết quả của phép tính tổng</a:t>
+            </a:r>
+          </a:p>
+          <a:p>
+            <a:pPr lvl="1"/>
+            <a:r>
+              <a:rPr lang="en-US" dirty="0" smtClean="0">
+                <a:latin typeface="Tahoma" panose="020B0604030504040204" pitchFamily="34" charset="0"/>
+                <a:ea typeface="Tahoma" panose="020B0604030504040204" pitchFamily="34" charset="0"/>
+                <a:cs typeface="Tahoma" panose="020B0604030504040204" pitchFamily="34" charset="0"/>
+              </a:rPr>
+              <a:t>Khi thực hiện tính thì biến sum sẽ thay đổi</a:t>
+            </a:r>
+          </a:p>
+          <a:p>
+            <a:pPr lvl="1"/>
+            <a:r>
+              <a:rPr lang="en-US" dirty="0" smtClean="0">
+                <a:latin typeface="Tahoma" panose="020B0604030504040204" pitchFamily="34" charset="0"/>
+                <a:ea typeface="Tahoma" panose="020B0604030504040204" pitchFamily="34" charset="0"/>
+                <a:cs typeface="Tahoma" panose="020B0604030504040204" pitchFamily="34" charset="0"/>
+              </a:rPr>
+              <a:t>useState sẽ </a:t>
+            </a:r>
+            <a:r>
+              <a:rPr lang="en-US" dirty="0" smtClean="0">
+                <a:latin typeface="Tahoma" panose="020B0604030504040204" pitchFamily="34" charset="0"/>
+                <a:ea typeface="Tahoma" panose="020B0604030504040204" pitchFamily="34" charset="0"/>
+                <a:cs typeface="Tahoma" panose="020B0604030504040204" pitchFamily="34" charset="0"/>
+              </a:rPr>
+              <a:t>update </a:t>
+            </a:r>
+            <a:r>
+              <a:rPr lang="en-US" dirty="0" smtClean="0">
+                <a:latin typeface="Tahoma" panose="020B0604030504040204" pitchFamily="34" charset="0"/>
+                <a:ea typeface="Tahoma" panose="020B0604030504040204" pitchFamily="34" charset="0"/>
+                <a:cs typeface="Tahoma" panose="020B0604030504040204" pitchFamily="34" charset="0"/>
+              </a:rPr>
+              <a:t>lại giá trị tổng ở giao </a:t>
+            </a:r>
+            <a:r>
+              <a:rPr lang="en-US" dirty="0" smtClean="0">
+                <a:latin typeface="Tahoma" panose="020B0604030504040204" pitchFamily="34" charset="0"/>
+                <a:ea typeface="Tahoma" panose="020B0604030504040204" pitchFamily="34" charset="0"/>
+                <a:cs typeface="Tahoma" panose="020B0604030504040204" pitchFamily="34" charset="0"/>
+              </a:rPr>
+              <a:t>diện khi giá trị state được update</a:t>
+            </a:r>
+            <a:endParaRPr lang="en-US" dirty="0" smtClean="0">
+              <a:latin typeface="Tahoma" panose="020B0604030504040204" pitchFamily="34" charset="0"/>
+              <a:ea typeface="Tahoma" panose="020B0604030504040204" pitchFamily="34" charset="0"/>
+              <a:cs typeface="Tahoma" panose="020B0604030504040204" pitchFamily="34" charset="0"/>
+            </a:endParaRPr>
           </a:p>
         </p:txBody>
       </p:sp>
@@ -11189,11 +11189,6 @@
               </a:rPr>
               <a:t>thường, các biến này “biến mất” khi hàm kết thúc nhưng các biến state này được React giữ lại.</a:t>
             </a:r>
-            <a:endParaRPr lang="vi-VN" dirty="0">
-              <a:latin typeface="Tahoma" panose="020B0604030504040204" pitchFamily="34" charset="0"/>
-              <a:ea typeface="Tahoma" panose="020B0604030504040204" pitchFamily="34" charset="0"/>
-              <a:cs typeface="Tahoma" panose="020B0604030504040204" pitchFamily="34" charset="0"/>
-            </a:endParaRPr>
           </a:p>
         </p:txBody>
       </p:sp>
@@ -13255,11 +13250,6 @@
               </a:rPr>
               <a:t>Ví dụ</a:t>
             </a:r>
-            <a:endParaRPr lang="en-US" dirty="0">
-              <a:latin typeface="Tahoma" panose="020B0604030504040204" pitchFamily="34" charset="0"/>
-              <a:ea typeface="Tahoma" panose="020B0604030504040204" pitchFamily="34" charset="0"/>
-              <a:cs typeface="Tahoma" panose="020B0604030504040204" pitchFamily="34" charset="0"/>
-            </a:endParaRPr>
           </a:p>
         </p:txBody>
       </p:sp>
@@ -13374,11 +13364,6 @@
               </a:rPr>
               <a:t>Ví dụ</a:t>
             </a:r>
-            <a:endParaRPr lang="en-US" dirty="0">
-              <a:latin typeface="Tahoma" panose="020B0604030504040204" pitchFamily="34" charset="0"/>
-              <a:ea typeface="Tahoma" panose="020B0604030504040204" pitchFamily="34" charset="0"/>
-              <a:cs typeface="Tahoma" panose="020B0604030504040204" pitchFamily="34" charset="0"/>
-            </a:endParaRPr>
           </a:p>
         </p:txBody>
       </p:sp>
